--- a/0_portfolio/1_project1/0_ref/스토리보드_0324.pptx
+++ b/0_portfolio/1_project1/0_ref/스토리보드_0324.pptx
@@ -373,7 +373,7 @@
           <a:p>
             <a:fld id="{0E2FF347-C96B-48CE-B6B4-C4397DE875F5}" type="datetimeFigureOut">
               <a:rPr lang="ko-KR" altLang="en-US" smtClean="0"/>
-              <a:t>2020-03-24</a:t>
+              <a:t>2020-03-25</a:t>
             </a:fld>
             <a:endParaRPr lang="ko-KR" altLang="en-US"/>
           </a:p>

--- a/0_portfolio/1_project1/0_ref/스토리보드_0324.pptx
+++ b/0_portfolio/1_project1/0_ref/스토리보드_0324.pptx
@@ -274,7 +274,7 @@
   </p:defaultTextStyle>
   <p:extLst>
     <p:ext uri="{EFAFB233-063F-42B5-8137-9DF3F51BA10A}">
-      <p15:sldGuideLst xmlns:p15="http://schemas.microsoft.com/office/powerpoint/2012/main" xmlns:p14="http://schemas.microsoft.com/office/powerpoint/2010/main" xmlns:com="http://schemas.openxmlformats.org/drawingml/2006/compatibility" xmlns:pvml="urn:schemas-microsoft-com:office:powerpoint" xmlns:v="urn:schemas-microsoft-com:vml" xmlns:o="urn:schemas-microsoft-com:office:office" xmlns:dgm="http://schemas.openxmlformats.org/drawingml/2006/diagram" xmlns:c="http://schemas.openxmlformats.org/drawingml/2006/chart" xmlns:mv="urn:schemas-microsoft-com:mac:vml" xmlns:mc="http://schemas.openxmlformats.org/markup-compatibility/2006" xmlns="">
+      <p15:sldGuideLst xmlns="" xmlns:mc="http://schemas.openxmlformats.org/markup-compatibility/2006" xmlns:mv="urn:schemas-microsoft-com:mac:vml" xmlns:c="http://schemas.openxmlformats.org/drawingml/2006/chart" xmlns:dgm="http://schemas.openxmlformats.org/drawingml/2006/diagram" xmlns:o="urn:schemas-microsoft-com:office:office" xmlns:v="urn:schemas-microsoft-com:vml" xmlns:pvml="urn:schemas-microsoft-com:office:powerpoint" xmlns:com="http://schemas.openxmlformats.org/drawingml/2006/compatibility" xmlns:p14="http://schemas.microsoft.com/office/powerpoint/2010/main" xmlns:p15="http://schemas.microsoft.com/office/powerpoint/2012/main">
         <p15:guide id="1" orient="horz" pos="1620">
           <p15:clr>
             <a:srgbClr val="000000"/>
